--- a/git/Introduction to Git.pptx
+++ b/git/Introduction to Git.pptx
@@ -106,6 +106,11 @@
       </a:defRPr>
     </a:lvl9pPr>
   </p:defaultTextStyle>
+  <p:extLst>
+    <p:ext uri="{EFAFB233-063F-42B5-8137-9DF3F51BA10A}">
+      <p15:sldGuideLst xmlns:p15="http://schemas.microsoft.com/office/powerpoint/2012/main"/>
+    </p:ext>
+  </p:extLst>
 </p:presentation>
 </file>
 
@@ -3353,40 +3358,6 @@
       </p:sp>
       <p:sp>
         <p:nvSpPr>
-          <p:cNvPr id="3" name="Subtitle 2">
-            <a:extLst>
-              <a:ext uri="{FF2B5EF4-FFF2-40B4-BE49-F238E27FC236}">
-                <a16:creationId xmlns:a16="http://schemas.microsoft.com/office/drawing/2014/main" id="{9DC868B9-7826-1CA4-CA2D-E7A1334605D8}"/>
-              </a:ext>
-            </a:extLst>
-          </p:cNvPr>
-          <p:cNvSpPr>
-            <a:spLocks noGrp="1"/>
-          </p:cNvSpPr>
-          <p:nvPr>
-            <p:ph type="subTitle" idx="1"/>
-          </p:nvPr>
-        </p:nvSpPr>
-        <p:spPr/>
-        <p:txBody>
-          <a:bodyPr/>
-          <a:lstStyle/>
-          <a:p>
-            <a:r>
-              <a:rPr lang="en-US" dirty="0"/>
-              <a:t>Sim Center</a:t>
-            </a:r>
-          </a:p>
-          <a:p>
-            <a:r>
-              <a:rPr lang="en-US" dirty="0"/>
-              <a:t>University of Tennessee at Chattanooga</a:t>
-            </a:r>
-          </a:p>
-        </p:txBody>
-      </p:sp>
-      <p:sp>
-        <p:nvSpPr>
           <p:cNvPr id="5" name="Rectangle 4">
             <a:extLst>
               <a:ext uri="{FF2B5EF4-FFF2-40B4-BE49-F238E27FC236}">
@@ -3483,6 +3454,36 @@
           </a:p>
         </p:txBody>
       </p:sp>
+      <p:pic>
+        <p:nvPicPr>
+          <p:cNvPr id="6" name="Picture 5" descr="Graphical user interface, application&#10;&#10;Description automatically generated with medium confidence">
+            <a:extLst>
+              <a:ext uri="{FF2B5EF4-FFF2-40B4-BE49-F238E27FC236}">
+                <a16:creationId xmlns:a16="http://schemas.microsoft.com/office/drawing/2014/main" id="{EF97E181-A87F-0088-E81B-077C1B868654}"/>
+              </a:ext>
+            </a:extLst>
+          </p:cNvPr>
+          <p:cNvPicPr>
+            <a:picLocks noChangeAspect="1"/>
+          </p:cNvPicPr>
+          <p:nvPr/>
+        </p:nvPicPr>
+        <p:blipFill>
+          <a:blip r:embed="rId2"/>
+          <a:stretch>
+            <a:fillRect/>
+          </a:stretch>
+        </p:blipFill>
+        <p:spPr>
+          <a:xfrm>
+            <a:off x="3429000" y="3989511"/>
+            <a:ext cx="5334000" cy="1286397"/>
+          </a:xfrm>
+          <a:prstGeom prst="rect">
+            <a:avLst/>
+          </a:prstGeom>
+        </p:spPr>
+      </p:pic>
     </p:spTree>
     <p:extLst>
       <p:ext uri="{BB962C8B-B14F-4D97-AF65-F5344CB8AC3E}">

--- a/git/Introduction to Git.pptx
+++ b/git/Introduction to Git.pptx
@@ -6,8 +6,11 @@
   </p:sldMasterIdLst>
   <p:sldIdLst>
     <p:sldId id="256" r:id="rId2"/>
-    <p:sldId id="257" r:id="rId3"/>
-    <p:sldId id="258" r:id="rId4"/>
+    <p:sldId id="262" r:id="rId3"/>
+    <p:sldId id="259" r:id="rId4"/>
+    <p:sldId id="260" r:id="rId5"/>
+    <p:sldId id="257" r:id="rId6"/>
+    <p:sldId id="258" r:id="rId7"/>
   </p:sldIdLst>
   <p:sldSz cx="12192000" cy="6858000"/>
   <p:notesSz cx="6858000" cy="9144000"/>
@@ -261,7 +264,7 @@
           <a:p>
             <a:fld id="{9C08D157-E0E7-2941-A4EA-BD3E46BEA38A}" type="datetimeFigureOut">
               <a:rPr lang="en-US" smtClean="0"/>
-              <a:t>10/14/22</a:t>
+              <a:t>10/28/22</a:t>
             </a:fld>
             <a:endParaRPr lang="en-US"/>
           </a:p>
@@ -459,7 +462,7 @@
           <a:p>
             <a:fld id="{9C08D157-E0E7-2941-A4EA-BD3E46BEA38A}" type="datetimeFigureOut">
               <a:rPr lang="en-US" smtClean="0"/>
-              <a:t>10/14/22</a:t>
+              <a:t>10/28/22</a:t>
             </a:fld>
             <a:endParaRPr lang="en-US"/>
           </a:p>
@@ -667,7 +670,7 @@
           <a:p>
             <a:fld id="{9C08D157-E0E7-2941-A4EA-BD3E46BEA38A}" type="datetimeFigureOut">
               <a:rPr lang="en-US" smtClean="0"/>
-              <a:t>10/14/22</a:t>
+              <a:t>10/28/22</a:t>
             </a:fld>
             <a:endParaRPr lang="en-US"/>
           </a:p>
@@ -865,7 +868,7 @@
           <a:p>
             <a:fld id="{9C08D157-E0E7-2941-A4EA-BD3E46BEA38A}" type="datetimeFigureOut">
               <a:rPr lang="en-US" smtClean="0"/>
-              <a:t>10/14/22</a:t>
+              <a:t>10/28/22</a:t>
             </a:fld>
             <a:endParaRPr lang="en-US"/>
           </a:p>
@@ -1140,7 +1143,7 @@
           <a:p>
             <a:fld id="{9C08D157-E0E7-2941-A4EA-BD3E46BEA38A}" type="datetimeFigureOut">
               <a:rPr lang="en-US" smtClean="0"/>
-              <a:t>10/14/22</a:t>
+              <a:t>10/28/22</a:t>
             </a:fld>
             <a:endParaRPr lang="en-US"/>
           </a:p>
@@ -1405,7 +1408,7 @@
           <a:p>
             <a:fld id="{9C08D157-E0E7-2941-A4EA-BD3E46BEA38A}" type="datetimeFigureOut">
               <a:rPr lang="en-US" smtClean="0"/>
-              <a:t>10/14/22</a:t>
+              <a:t>10/28/22</a:t>
             </a:fld>
             <a:endParaRPr lang="en-US"/>
           </a:p>
@@ -1817,7 +1820,7 @@
           <a:p>
             <a:fld id="{9C08D157-E0E7-2941-A4EA-BD3E46BEA38A}" type="datetimeFigureOut">
               <a:rPr lang="en-US" smtClean="0"/>
-              <a:t>10/14/22</a:t>
+              <a:t>10/28/22</a:t>
             </a:fld>
             <a:endParaRPr lang="en-US"/>
           </a:p>
@@ -1958,7 +1961,7 @@
           <a:p>
             <a:fld id="{9C08D157-E0E7-2941-A4EA-BD3E46BEA38A}" type="datetimeFigureOut">
               <a:rPr lang="en-US" smtClean="0"/>
-              <a:t>10/14/22</a:t>
+              <a:t>10/28/22</a:t>
             </a:fld>
             <a:endParaRPr lang="en-US"/>
           </a:p>
@@ -2071,7 +2074,7 @@
           <a:p>
             <a:fld id="{9C08D157-E0E7-2941-A4EA-BD3E46BEA38A}" type="datetimeFigureOut">
               <a:rPr lang="en-US" smtClean="0"/>
-              <a:t>10/14/22</a:t>
+              <a:t>10/28/22</a:t>
             </a:fld>
             <a:endParaRPr lang="en-US"/>
           </a:p>
@@ -2382,7 +2385,7 @@
           <a:p>
             <a:fld id="{9C08D157-E0E7-2941-A4EA-BD3E46BEA38A}" type="datetimeFigureOut">
               <a:rPr lang="en-US" smtClean="0"/>
-              <a:t>10/14/22</a:t>
+              <a:t>10/28/22</a:t>
             </a:fld>
             <a:endParaRPr lang="en-US"/>
           </a:p>
@@ -2670,7 +2673,7 @@
           <a:p>
             <a:fld id="{9C08D157-E0E7-2941-A4EA-BD3E46BEA38A}" type="datetimeFigureOut">
               <a:rPr lang="en-US" smtClean="0"/>
-              <a:t>10/14/22</a:t>
+              <a:t>10/28/22</a:t>
             </a:fld>
             <a:endParaRPr lang="en-US"/>
           </a:p>
@@ -2911,7 +2914,7 @@
           <a:p>
             <a:fld id="{9C08D157-E0E7-2941-A4EA-BD3E46BEA38A}" type="datetimeFigureOut">
               <a:rPr lang="en-US" smtClean="0"/>
-              <a:t>10/14/22</a:t>
+              <a:t>10/28/22</a:t>
             </a:fld>
             <a:endParaRPr lang="en-US"/>
           </a:p>
@@ -3344,14 +3347,21 @@
             <p:ph type="ctrTitle"/>
           </p:nvPr>
         </p:nvSpPr>
-        <p:spPr/>
-        <p:txBody>
-          <a:bodyPr/>
+        <p:spPr>
+          <a:xfrm>
+            <a:off x="1523999" y="1842614"/>
+            <a:ext cx="9144000" cy="2387600"/>
+          </a:xfrm>
+        </p:spPr>
+        <p:txBody>
+          <a:bodyPr>
+            <a:normAutofit/>
+          </a:bodyPr>
           <a:lstStyle/>
           <a:p>
             <a:r>
               <a:rPr lang="en-US" dirty="0"/>
-              <a:t>An Introduction to Git</a:t>
+              <a:t>An Introduction to Bash Terminals, Git, and DevOps</a:t>
             </a:r>
           </a:p>
         </p:txBody>
@@ -3454,12 +3464,52 @@
           </a:p>
         </p:txBody>
       </p:sp>
+      <p:sp>
+        <p:nvSpPr>
+          <p:cNvPr id="3" name="TextBox 2">
+            <a:extLst>
+              <a:ext uri="{FF2B5EF4-FFF2-40B4-BE49-F238E27FC236}">
+                <a16:creationId xmlns:a16="http://schemas.microsoft.com/office/drawing/2014/main" id="{14C06028-838D-EFBF-1BEA-2E4F8E1E61E5}"/>
+              </a:ext>
+            </a:extLst>
+          </p:cNvPr>
+          <p:cNvSpPr txBox="1"/>
+          <p:nvPr/>
+        </p:nvSpPr>
+        <p:spPr>
+          <a:xfrm>
+            <a:off x="2584703" y="4515964"/>
+            <a:ext cx="7022592" cy="954107"/>
+          </a:xfrm>
+          <a:prstGeom prst="rect">
+            <a:avLst/>
+          </a:prstGeom>
+          <a:noFill/>
+        </p:spPr>
+        <p:txBody>
+          <a:bodyPr wrap="square" rtlCol="0">
+            <a:spAutoFit/>
+          </a:bodyPr>
+          <a:lstStyle/>
+          <a:p>
+            <a:pPr algn="ctr"/>
+            <a:r>
+              <a:rPr lang="en-US" sz="2800" dirty="0"/>
+              <a:t>Carson Woods</a:t>
+            </a:r>
+          </a:p>
+          <a:p>
+            <a:pPr algn="ctr"/>
+            <a:endParaRPr lang="en-US" sz="2800" dirty="0"/>
+          </a:p>
+        </p:txBody>
+      </p:sp>
       <p:pic>
         <p:nvPicPr>
-          <p:cNvPr id="6" name="Picture 5" descr="Graphical user interface, application&#10;&#10;Description automatically generated with medium confidence">
-            <a:extLst>
-              <a:ext uri="{FF2B5EF4-FFF2-40B4-BE49-F238E27FC236}">
-                <a16:creationId xmlns:a16="http://schemas.microsoft.com/office/drawing/2014/main" id="{EF97E181-A87F-0088-E81B-077C1B868654}"/>
+          <p:cNvPr id="4" name="Picture 3" descr="Graphical user interface, application&#10;&#10;Description automatically generated with medium confidence">
+            <a:extLst>
+              <a:ext uri="{FF2B5EF4-FFF2-40B4-BE49-F238E27FC236}">
+                <a16:creationId xmlns:a16="http://schemas.microsoft.com/office/drawing/2014/main" id="{F399232C-E528-2CA4-DD00-D7C42EFBA62A}"/>
               </a:ext>
             </a:extLst>
           </p:cNvPr>
@@ -3476,8 +3526,8 @@
         </p:blipFill>
         <p:spPr>
           <a:xfrm>
-            <a:off x="3429000" y="3989511"/>
-            <a:ext cx="5334000" cy="1286397"/>
+            <a:off x="1841601" y="0"/>
+            <a:ext cx="8508795" cy="2052060"/>
           </a:xfrm>
           <a:prstGeom prst="rect">
             <a:avLst/>
@@ -3519,7 +3569,7 @@
           <p:cNvPr id="2" name="Title 1">
             <a:extLst>
               <a:ext uri="{FF2B5EF4-FFF2-40B4-BE49-F238E27FC236}">
-                <a16:creationId xmlns:a16="http://schemas.microsoft.com/office/drawing/2014/main" id="{B46F9421-232D-8533-DD1A-90BCA021157A}"/>
+                <a16:creationId xmlns:a16="http://schemas.microsoft.com/office/drawing/2014/main" id="{588998E4-534E-40D2-B9B2-5B5A12D2812C}"/>
               </a:ext>
             </a:extLst>
           </p:cNvPr>
@@ -3530,14 +3580,19 @@
             <p:ph type="title"/>
           </p:nvPr>
         </p:nvSpPr>
-        <p:spPr/>
+        <p:spPr>
+          <a:xfrm>
+            <a:off x="838200" y="365125"/>
+            <a:ext cx="9195816" cy="1325563"/>
+          </a:xfrm>
+        </p:spPr>
         <p:txBody>
           <a:bodyPr/>
           <a:lstStyle/>
           <a:p>
             <a:r>
               <a:rPr lang="en-US" dirty="0"/>
-              <a:t>What is Git? </a:t>
+              <a:t>Who Am I?</a:t>
             </a:r>
           </a:p>
         </p:txBody>
@@ -3547,7 +3602,7 @@
           <p:cNvPr id="3" name="Content Placeholder 2">
             <a:extLst>
               <a:ext uri="{FF2B5EF4-FFF2-40B4-BE49-F238E27FC236}">
-                <a16:creationId xmlns:a16="http://schemas.microsoft.com/office/drawing/2014/main" id="{EEA14D9F-F00B-BC59-AE0F-BA4DB1C240A4}"/>
+                <a16:creationId xmlns:a16="http://schemas.microsoft.com/office/drawing/2014/main" id="{68352F28-0E8D-BB58-5611-D2D272557010}"/>
               </a:ext>
             </a:extLst>
           </p:cNvPr>
@@ -3558,25 +3613,54 @@
             <p:ph idx="1"/>
           </p:nvPr>
         </p:nvSpPr>
-        <p:spPr/>
-        <p:txBody>
-          <a:bodyPr/>
+        <p:spPr>
+          <a:xfrm>
+            <a:off x="838200" y="1569593"/>
+            <a:ext cx="10585704" cy="4215946"/>
+          </a:xfrm>
+        </p:spPr>
+        <p:txBody>
+          <a:bodyPr>
+            <a:normAutofit/>
+          </a:bodyPr>
           <a:lstStyle/>
           <a:p>
             <a:r>
               <a:rPr lang="en-US" dirty="0"/>
-              <a:t>Git is the most widely used type of source code management (SCM) software. </a:t>
+              <a:t>Graduated UTC in May of 2022 and was hired as a postgraduate researcher to work on high-performance computing (HPC) research</a:t>
             </a:r>
           </a:p>
           <a:p>
             <a:r>
               <a:rPr lang="en-US" dirty="0"/>
-              <a:t>Git is often used to manage software versions, facilitate collaboration, and track changes to code over time. </a:t>
-            </a:r>
-          </a:p>
-          <a:p>
+              <a:t>During my time as an undergraduate, I worked on research in a variety of projects and topics, but I spent most of my time working on HPC. </a:t>
+            </a:r>
+          </a:p>
+          <a:p>
+            <a:r>
+              <a:rPr lang="en-US" dirty="0"/>
+              <a:t>Have collaborated on large software development projects throughout my time at UTC and in the months since my graduation</a:t>
+            </a:r>
+          </a:p>
+          <a:p>
+            <a:pPr lvl="1"/>
+            <a:r>
+              <a:rPr lang="en-US" dirty="0"/>
+              <a:t>Has led to gaining a lot of experience about how to use Git and DevOps in practice for collaboration and project management</a:t>
+            </a:r>
+          </a:p>
+          <a:p>
+            <a:pPr marL="0" indent="0">
+              <a:buNone/>
+            </a:pPr>
             <a:endParaRPr lang="en-US" dirty="0"/>
           </a:p>
+          <a:p>
+            <a:endParaRPr lang="en-US" dirty="0"/>
+          </a:p>
+          <a:p>
+            <a:endParaRPr lang="en-US" dirty="0"/>
+          </a:p>
         </p:txBody>
       </p:sp>
       <p:sp>
@@ -3584,7 +3668,7 @@
           <p:cNvPr id="4" name="Rectangle 3">
             <a:extLst>
               <a:ext uri="{FF2B5EF4-FFF2-40B4-BE49-F238E27FC236}">
-                <a16:creationId xmlns:a16="http://schemas.microsoft.com/office/drawing/2014/main" id="{9D493C1B-3F31-651E-A717-6ACAEC75FF37}"/>
+                <a16:creationId xmlns:a16="http://schemas.microsoft.com/office/drawing/2014/main" id="{3613C5DC-4188-07F9-1C85-566297715C8C}"/>
               </a:ext>
             </a:extLst>
           </p:cNvPr>
@@ -3633,7 +3717,7 @@
           <p:cNvPr id="5" name="Rectangle 4">
             <a:extLst>
               <a:ext uri="{FF2B5EF4-FFF2-40B4-BE49-F238E27FC236}">
-                <a16:creationId xmlns:a16="http://schemas.microsoft.com/office/drawing/2014/main" id="{DA98B62C-C7FE-B9FA-EB3C-9361EE8A7629}"/>
+                <a16:creationId xmlns:a16="http://schemas.microsoft.com/office/drawing/2014/main" id="{2F47DB90-EE68-9352-284D-0BEC69B2969F}"/>
               </a:ext>
             </a:extLst>
           </p:cNvPr>
@@ -3680,6 +3764,761 @@
     </p:spTree>
     <p:extLst>
       <p:ext uri="{BB962C8B-B14F-4D97-AF65-F5344CB8AC3E}">
+        <p14:creationId xmlns:p14="http://schemas.microsoft.com/office/powerpoint/2010/main" val="2061961114"/>
+      </p:ext>
+    </p:extLst>
+  </p:cSld>
+  <p:clrMapOvr>
+    <a:masterClrMapping/>
+  </p:clrMapOvr>
+</p:sld>
+</file>
+
+<file path=ppt/slides/slide3.xml><?xml version="1.0" encoding="utf-8"?>
+<p:sld xmlns:a="http://schemas.openxmlformats.org/drawingml/2006/main" xmlns:r="http://schemas.openxmlformats.org/officeDocument/2006/relationships" xmlns:p="http://schemas.openxmlformats.org/presentationml/2006/main">
+  <p:cSld>
+    <p:spTree>
+      <p:nvGrpSpPr>
+        <p:cNvPr id="1" name=""/>
+        <p:cNvGrpSpPr/>
+        <p:nvPr/>
+      </p:nvGrpSpPr>
+      <p:grpSpPr>
+        <a:xfrm>
+          <a:off x="0" y="0"/>
+          <a:ext cx="0" cy="0"/>
+          <a:chOff x="0" y="0"/>
+          <a:chExt cx="0" cy="0"/>
+        </a:xfrm>
+      </p:grpSpPr>
+      <p:sp>
+        <p:nvSpPr>
+          <p:cNvPr id="2" name="Title 1">
+            <a:extLst>
+              <a:ext uri="{FF2B5EF4-FFF2-40B4-BE49-F238E27FC236}">
+                <a16:creationId xmlns:a16="http://schemas.microsoft.com/office/drawing/2014/main" id="{588998E4-534E-40D2-B9B2-5B5A12D2812C}"/>
+              </a:ext>
+            </a:extLst>
+          </p:cNvPr>
+          <p:cNvSpPr>
+            <a:spLocks noGrp="1"/>
+          </p:cNvSpPr>
+          <p:nvPr>
+            <p:ph type="title"/>
+          </p:nvPr>
+        </p:nvSpPr>
+        <p:spPr>
+          <a:xfrm>
+            <a:off x="838200" y="365125"/>
+            <a:ext cx="9195816" cy="1325563"/>
+          </a:xfrm>
+        </p:spPr>
+        <p:txBody>
+          <a:bodyPr/>
+          <a:lstStyle/>
+          <a:p>
+            <a:r>
+              <a:rPr lang="en-US" dirty="0"/>
+              <a:t>Workshop Preparation</a:t>
+            </a:r>
+          </a:p>
+        </p:txBody>
+      </p:sp>
+      <p:sp>
+        <p:nvSpPr>
+          <p:cNvPr id="3" name="Content Placeholder 2">
+            <a:extLst>
+              <a:ext uri="{FF2B5EF4-FFF2-40B4-BE49-F238E27FC236}">
+                <a16:creationId xmlns:a16="http://schemas.microsoft.com/office/drawing/2014/main" id="{68352F28-0E8D-BB58-5611-D2D272557010}"/>
+              </a:ext>
+            </a:extLst>
+          </p:cNvPr>
+          <p:cNvSpPr>
+            <a:spLocks noGrp="1"/>
+          </p:cNvSpPr>
+          <p:nvPr>
+            <p:ph idx="1"/>
+          </p:nvPr>
+        </p:nvSpPr>
+        <p:spPr>
+          <a:xfrm>
+            <a:off x="838200" y="1569593"/>
+            <a:ext cx="10585704" cy="4215946"/>
+          </a:xfrm>
+        </p:spPr>
+        <p:txBody>
+          <a:bodyPr>
+            <a:normAutofit lnSpcReduction="10000"/>
+          </a:bodyPr>
+          <a:lstStyle/>
+          <a:p>
+            <a:r>
+              <a:rPr lang="en-US" dirty="0"/>
+              <a:t>Before we begin the workshop, you will need a few things on your system:</a:t>
+            </a:r>
+          </a:p>
+          <a:p>
+            <a:pPr lvl="1"/>
+            <a:r>
+              <a:rPr lang="en-US" dirty="0"/>
+              <a:t>The Workshop Tutorial Docs: </a:t>
+            </a:r>
+          </a:p>
+          <a:p>
+            <a:pPr lvl="2"/>
+            <a:r>
+              <a:rPr lang="en-US" dirty="0">
+                <a:hlinkClick r:id="rId2"/>
+              </a:rPr>
+              <a:t>https://github.com/carsonwoods/git-devops-workshop/</a:t>
+            </a:r>
+            <a:r>
+              <a:rPr lang="en-US" dirty="0"/>
+              <a:t> </a:t>
+            </a:r>
+          </a:p>
+          <a:p>
+            <a:pPr lvl="1"/>
+            <a:r>
+              <a:rPr lang="en-US" dirty="0" err="1"/>
+              <a:t>Github</a:t>
+            </a:r>
+            <a:r>
+              <a:rPr lang="en-US" dirty="0"/>
+              <a:t> account: </a:t>
+            </a:r>
+            <a:r>
+              <a:rPr lang="en-US" dirty="0">
+                <a:hlinkClick r:id="rId3"/>
+              </a:rPr>
+              <a:t>https://github.com/</a:t>
+            </a:r>
+            <a:r>
+              <a:rPr lang="en-US" dirty="0"/>
+              <a:t> </a:t>
+            </a:r>
+          </a:p>
+          <a:p>
+            <a:pPr lvl="1"/>
+            <a:r>
+              <a:rPr lang="en-US" dirty="0"/>
+              <a:t>Bash Terminal</a:t>
+            </a:r>
+          </a:p>
+          <a:p>
+            <a:pPr lvl="1"/>
+            <a:r>
+              <a:rPr lang="en-US" dirty="0"/>
+              <a:t>Git</a:t>
+            </a:r>
+          </a:p>
+          <a:p>
+            <a:pPr lvl="2"/>
+            <a:r>
+              <a:rPr lang="en-US" dirty="0"/>
+              <a:t>Windows: </a:t>
+            </a:r>
+            <a:r>
+              <a:rPr lang="en-US" dirty="0">
+                <a:hlinkClick r:id="rId4"/>
+              </a:rPr>
+              <a:t>https://git-scm.com/download/win</a:t>
+            </a:r>
+            <a:r>
+              <a:rPr lang="en-US" dirty="0"/>
+              <a:t> </a:t>
+            </a:r>
+          </a:p>
+          <a:p>
+            <a:pPr lvl="2"/>
+            <a:r>
+              <a:rPr lang="en-US" dirty="0"/>
+              <a:t>MacOS: “</a:t>
+            </a:r>
+            <a:r>
+              <a:rPr lang="en-US" dirty="0" err="1"/>
+              <a:t>xcodeselect</a:t>
+            </a:r>
+            <a:r>
+              <a:rPr lang="en-US" dirty="0"/>
+              <a:t> --install”</a:t>
+            </a:r>
+          </a:p>
+          <a:p>
+            <a:pPr lvl="2"/>
+            <a:r>
+              <a:rPr lang="en-US" dirty="0"/>
+              <a:t>Linux (varies based on distribution): </a:t>
+            </a:r>
+          </a:p>
+          <a:p>
+            <a:pPr lvl="3"/>
+            <a:r>
+              <a:rPr lang="en-US" dirty="0"/>
+              <a:t>“</a:t>
+            </a:r>
+            <a:r>
+              <a:rPr lang="en-US" dirty="0" err="1"/>
+              <a:t>sudo</a:t>
+            </a:r>
+            <a:r>
+              <a:rPr lang="en-US" dirty="0"/>
+              <a:t> apt update &amp;&amp; </a:t>
+            </a:r>
+            <a:r>
+              <a:rPr lang="en-US" dirty="0" err="1"/>
+              <a:t>sudo</a:t>
+            </a:r>
+            <a:r>
+              <a:rPr lang="en-US" dirty="0"/>
+              <a:t> apt install git” </a:t>
+            </a:r>
+          </a:p>
+          <a:p>
+            <a:pPr lvl="3"/>
+            <a:r>
+              <a:rPr lang="en-US" dirty="0"/>
+              <a:t>“</a:t>
+            </a:r>
+            <a:r>
+              <a:rPr lang="en-US" dirty="0" err="1"/>
+              <a:t>sudo</a:t>
+            </a:r>
+            <a:r>
+              <a:rPr lang="en-US" dirty="0"/>
+              <a:t> yum install git”</a:t>
+            </a:r>
+          </a:p>
+        </p:txBody>
+      </p:sp>
+      <p:sp>
+        <p:nvSpPr>
+          <p:cNvPr id="4" name="Rectangle 3">
+            <a:extLst>
+              <a:ext uri="{FF2B5EF4-FFF2-40B4-BE49-F238E27FC236}">
+                <a16:creationId xmlns:a16="http://schemas.microsoft.com/office/drawing/2014/main" id="{3613C5DC-4188-07F9-1C85-566297715C8C}"/>
+              </a:ext>
+            </a:extLst>
+          </p:cNvPr>
+          <p:cNvSpPr/>
+          <p:nvPr/>
+        </p:nvSpPr>
+        <p:spPr>
+          <a:xfrm>
+            <a:off x="0" y="6286500"/>
+            <a:ext cx="12192000" cy="571500"/>
+          </a:xfrm>
+          <a:prstGeom prst="rect">
+            <a:avLst/>
+          </a:prstGeom>
+          <a:solidFill>
+            <a:srgbClr val="122F51"/>
+          </a:solidFill>
+        </p:spPr>
+        <p:style>
+          <a:lnRef idx="2">
+            <a:schemeClr val="accent1">
+              <a:shade val="50000"/>
+            </a:schemeClr>
+          </a:lnRef>
+          <a:fillRef idx="1">
+            <a:schemeClr val="accent1"/>
+          </a:fillRef>
+          <a:effectRef idx="0">
+            <a:schemeClr val="accent1"/>
+          </a:effectRef>
+          <a:fontRef idx="minor">
+            <a:schemeClr val="lt1"/>
+          </a:fontRef>
+        </p:style>
+        <p:txBody>
+          <a:bodyPr rtlCol="0" anchor="ctr"/>
+          <a:lstStyle/>
+          <a:p>
+            <a:pPr algn="ctr"/>
+            <a:endParaRPr lang="en-US"/>
+          </a:p>
+        </p:txBody>
+      </p:sp>
+      <p:sp>
+        <p:nvSpPr>
+          <p:cNvPr id="5" name="Rectangle 4">
+            <a:extLst>
+              <a:ext uri="{FF2B5EF4-FFF2-40B4-BE49-F238E27FC236}">
+                <a16:creationId xmlns:a16="http://schemas.microsoft.com/office/drawing/2014/main" id="{2F47DB90-EE68-9352-284D-0BEC69B2969F}"/>
+              </a:ext>
+            </a:extLst>
+          </p:cNvPr>
+          <p:cNvSpPr/>
+          <p:nvPr/>
+        </p:nvSpPr>
+        <p:spPr>
+          <a:xfrm>
+            <a:off x="0" y="6041571"/>
+            <a:ext cx="12192000" cy="244929"/>
+          </a:xfrm>
+          <a:prstGeom prst="rect">
+            <a:avLst/>
+          </a:prstGeom>
+          <a:solidFill>
+            <a:srgbClr val="FDB736"/>
+          </a:solidFill>
+        </p:spPr>
+        <p:style>
+          <a:lnRef idx="2">
+            <a:schemeClr val="accent1">
+              <a:shade val="50000"/>
+            </a:schemeClr>
+          </a:lnRef>
+          <a:fillRef idx="1">
+            <a:schemeClr val="accent1"/>
+          </a:fillRef>
+          <a:effectRef idx="0">
+            <a:schemeClr val="accent1"/>
+          </a:effectRef>
+          <a:fontRef idx="minor">
+            <a:schemeClr val="lt1"/>
+          </a:fontRef>
+        </p:style>
+        <p:txBody>
+          <a:bodyPr rtlCol="0" anchor="ctr"/>
+          <a:lstStyle/>
+          <a:p>
+            <a:pPr algn="ctr"/>
+            <a:endParaRPr lang="en-US"/>
+          </a:p>
+        </p:txBody>
+      </p:sp>
+    </p:spTree>
+    <p:extLst>
+      <p:ext uri="{BB962C8B-B14F-4D97-AF65-F5344CB8AC3E}">
+        <p14:creationId xmlns:p14="http://schemas.microsoft.com/office/powerpoint/2010/main" val="1756950989"/>
+      </p:ext>
+    </p:extLst>
+  </p:cSld>
+  <p:clrMapOvr>
+    <a:masterClrMapping/>
+  </p:clrMapOvr>
+</p:sld>
+</file>
+
+<file path=ppt/slides/slide4.xml><?xml version="1.0" encoding="utf-8"?>
+<p:sld xmlns:a="http://schemas.openxmlformats.org/drawingml/2006/main" xmlns:r="http://schemas.openxmlformats.org/officeDocument/2006/relationships" xmlns:p="http://schemas.openxmlformats.org/presentationml/2006/main">
+  <p:cSld>
+    <p:spTree>
+      <p:nvGrpSpPr>
+        <p:cNvPr id="1" name=""/>
+        <p:cNvGrpSpPr/>
+        <p:nvPr/>
+      </p:nvGrpSpPr>
+      <p:grpSpPr>
+        <a:xfrm>
+          <a:off x="0" y="0"/>
+          <a:ext cx="0" cy="0"/>
+          <a:chOff x="0" y="0"/>
+          <a:chExt cx="0" cy="0"/>
+        </a:xfrm>
+      </p:grpSpPr>
+      <p:sp>
+        <p:nvSpPr>
+          <p:cNvPr id="2" name="Title 1">
+            <a:extLst>
+              <a:ext uri="{FF2B5EF4-FFF2-40B4-BE49-F238E27FC236}">
+                <a16:creationId xmlns:a16="http://schemas.microsoft.com/office/drawing/2014/main" id="{588998E4-534E-40D2-B9B2-5B5A12D2812C}"/>
+              </a:ext>
+            </a:extLst>
+          </p:cNvPr>
+          <p:cNvSpPr>
+            <a:spLocks noGrp="1"/>
+          </p:cNvSpPr>
+          <p:nvPr>
+            <p:ph type="title"/>
+          </p:nvPr>
+        </p:nvSpPr>
+        <p:spPr>
+          <a:xfrm>
+            <a:off x="838200" y="365125"/>
+            <a:ext cx="9195816" cy="1325563"/>
+          </a:xfrm>
+        </p:spPr>
+        <p:txBody>
+          <a:bodyPr/>
+          <a:lstStyle/>
+          <a:p>
+            <a:r>
+              <a:rPr lang="en-US" dirty="0"/>
+              <a:t>Workshop Preparation cont.</a:t>
+            </a:r>
+          </a:p>
+        </p:txBody>
+      </p:sp>
+      <p:sp>
+        <p:nvSpPr>
+          <p:cNvPr id="3" name="Content Placeholder 2">
+            <a:extLst>
+              <a:ext uri="{FF2B5EF4-FFF2-40B4-BE49-F238E27FC236}">
+                <a16:creationId xmlns:a16="http://schemas.microsoft.com/office/drawing/2014/main" id="{68352F28-0E8D-BB58-5611-D2D272557010}"/>
+              </a:ext>
+            </a:extLst>
+          </p:cNvPr>
+          <p:cNvSpPr>
+            <a:spLocks noGrp="1"/>
+          </p:cNvSpPr>
+          <p:nvPr>
+            <p:ph idx="1"/>
+          </p:nvPr>
+        </p:nvSpPr>
+        <p:spPr>
+          <a:xfrm>
+            <a:off x="838200" y="1569593"/>
+            <a:ext cx="10585704" cy="4215946"/>
+          </a:xfrm>
+        </p:spPr>
+        <p:txBody>
+          <a:bodyPr>
+            <a:normAutofit/>
+          </a:bodyPr>
+          <a:lstStyle/>
+          <a:p>
+            <a:r>
+              <a:rPr lang="en-US" dirty="0"/>
+              <a:t>To configure Git, run the following commands:</a:t>
+            </a:r>
+          </a:p>
+          <a:p>
+            <a:pPr lvl="1"/>
+            <a:r>
+              <a:rPr lang="en-US" dirty="0"/>
+              <a:t>git config --global </a:t>
+            </a:r>
+            <a:r>
+              <a:rPr lang="en-US" dirty="0" err="1"/>
+              <a:t>user.name</a:t>
+            </a:r>
+            <a:r>
+              <a:rPr lang="en-US" dirty="0"/>
+              <a:t> "Your Name"</a:t>
+            </a:r>
+          </a:p>
+          <a:p>
+            <a:pPr lvl="1"/>
+            <a:r>
+              <a:rPr lang="en-US" dirty="0"/>
+              <a:t>git config --global </a:t>
+            </a:r>
+            <a:r>
+              <a:rPr lang="en-US" dirty="0" err="1"/>
+              <a:t>user.email</a:t>
+            </a:r>
+            <a:r>
+              <a:rPr lang="en-US" dirty="0"/>
+              <a:t> "</a:t>
+            </a:r>
+            <a:r>
+              <a:rPr lang="en-US" dirty="0" err="1"/>
+              <a:t>you@example.com</a:t>
+            </a:r>
+            <a:r>
+              <a:rPr lang="en-US" dirty="0"/>
+              <a:t>"</a:t>
+            </a:r>
+          </a:p>
+        </p:txBody>
+      </p:sp>
+      <p:sp>
+        <p:nvSpPr>
+          <p:cNvPr id="4" name="Rectangle 3">
+            <a:extLst>
+              <a:ext uri="{FF2B5EF4-FFF2-40B4-BE49-F238E27FC236}">
+                <a16:creationId xmlns:a16="http://schemas.microsoft.com/office/drawing/2014/main" id="{3613C5DC-4188-07F9-1C85-566297715C8C}"/>
+              </a:ext>
+            </a:extLst>
+          </p:cNvPr>
+          <p:cNvSpPr/>
+          <p:nvPr/>
+        </p:nvSpPr>
+        <p:spPr>
+          <a:xfrm>
+            <a:off x="0" y="6286500"/>
+            <a:ext cx="12192000" cy="571500"/>
+          </a:xfrm>
+          <a:prstGeom prst="rect">
+            <a:avLst/>
+          </a:prstGeom>
+          <a:solidFill>
+            <a:srgbClr val="122F51"/>
+          </a:solidFill>
+        </p:spPr>
+        <p:style>
+          <a:lnRef idx="2">
+            <a:schemeClr val="accent1">
+              <a:shade val="50000"/>
+            </a:schemeClr>
+          </a:lnRef>
+          <a:fillRef idx="1">
+            <a:schemeClr val="accent1"/>
+          </a:fillRef>
+          <a:effectRef idx="0">
+            <a:schemeClr val="accent1"/>
+          </a:effectRef>
+          <a:fontRef idx="minor">
+            <a:schemeClr val="lt1"/>
+          </a:fontRef>
+        </p:style>
+        <p:txBody>
+          <a:bodyPr rtlCol="0" anchor="ctr"/>
+          <a:lstStyle/>
+          <a:p>
+            <a:pPr algn="ctr"/>
+            <a:endParaRPr lang="en-US"/>
+          </a:p>
+        </p:txBody>
+      </p:sp>
+      <p:sp>
+        <p:nvSpPr>
+          <p:cNvPr id="5" name="Rectangle 4">
+            <a:extLst>
+              <a:ext uri="{FF2B5EF4-FFF2-40B4-BE49-F238E27FC236}">
+                <a16:creationId xmlns:a16="http://schemas.microsoft.com/office/drawing/2014/main" id="{2F47DB90-EE68-9352-284D-0BEC69B2969F}"/>
+              </a:ext>
+            </a:extLst>
+          </p:cNvPr>
+          <p:cNvSpPr/>
+          <p:nvPr/>
+        </p:nvSpPr>
+        <p:spPr>
+          <a:xfrm>
+            <a:off x="0" y="6041571"/>
+            <a:ext cx="12192000" cy="244929"/>
+          </a:xfrm>
+          <a:prstGeom prst="rect">
+            <a:avLst/>
+          </a:prstGeom>
+          <a:solidFill>
+            <a:srgbClr val="FDB736"/>
+          </a:solidFill>
+        </p:spPr>
+        <p:style>
+          <a:lnRef idx="2">
+            <a:schemeClr val="accent1">
+              <a:shade val="50000"/>
+            </a:schemeClr>
+          </a:lnRef>
+          <a:fillRef idx="1">
+            <a:schemeClr val="accent1"/>
+          </a:fillRef>
+          <a:effectRef idx="0">
+            <a:schemeClr val="accent1"/>
+          </a:effectRef>
+          <a:fontRef idx="minor">
+            <a:schemeClr val="lt1"/>
+          </a:fontRef>
+        </p:style>
+        <p:txBody>
+          <a:bodyPr rtlCol="0" anchor="ctr"/>
+          <a:lstStyle/>
+          <a:p>
+            <a:pPr algn="ctr"/>
+            <a:endParaRPr lang="en-US"/>
+          </a:p>
+        </p:txBody>
+      </p:sp>
+    </p:spTree>
+    <p:extLst>
+      <p:ext uri="{BB962C8B-B14F-4D97-AF65-F5344CB8AC3E}">
+        <p14:creationId xmlns:p14="http://schemas.microsoft.com/office/powerpoint/2010/main" val="2006931714"/>
+      </p:ext>
+    </p:extLst>
+  </p:cSld>
+  <p:clrMapOvr>
+    <a:masterClrMapping/>
+  </p:clrMapOvr>
+</p:sld>
+</file>
+
+<file path=ppt/slides/slide5.xml><?xml version="1.0" encoding="utf-8"?>
+<p:sld xmlns:a="http://schemas.openxmlformats.org/drawingml/2006/main" xmlns:r="http://schemas.openxmlformats.org/officeDocument/2006/relationships" xmlns:p="http://schemas.openxmlformats.org/presentationml/2006/main">
+  <p:cSld>
+    <p:spTree>
+      <p:nvGrpSpPr>
+        <p:cNvPr id="1" name=""/>
+        <p:cNvGrpSpPr/>
+        <p:nvPr/>
+      </p:nvGrpSpPr>
+      <p:grpSpPr>
+        <a:xfrm>
+          <a:off x="0" y="0"/>
+          <a:ext cx="0" cy="0"/>
+          <a:chOff x="0" y="0"/>
+          <a:chExt cx="0" cy="0"/>
+        </a:xfrm>
+      </p:grpSpPr>
+      <p:sp>
+        <p:nvSpPr>
+          <p:cNvPr id="2" name="Title 1">
+            <a:extLst>
+              <a:ext uri="{FF2B5EF4-FFF2-40B4-BE49-F238E27FC236}">
+                <a16:creationId xmlns:a16="http://schemas.microsoft.com/office/drawing/2014/main" id="{B46F9421-232D-8533-DD1A-90BCA021157A}"/>
+              </a:ext>
+            </a:extLst>
+          </p:cNvPr>
+          <p:cNvSpPr>
+            <a:spLocks noGrp="1"/>
+          </p:cNvSpPr>
+          <p:nvPr>
+            <p:ph type="title"/>
+          </p:nvPr>
+        </p:nvSpPr>
+        <p:spPr/>
+        <p:txBody>
+          <a:bodyPr/>
+          <a:lstStyle/>
+          <a:p>
+            <a:r>
+              <a:rPr lang="en-US" dirty="0"/>
+              <a:t>What is Git? </a:t>
+            </a:r>
+          </a:p>
+        </p:txBody>
+      </p:sp>
+      <p:sp>
+        <p:nvSpPr>
+          <p:cNvPr id="3" name="Content Placeholder 2">
+            <a:extLst>
+              <a:ext uri="{FF2B5EF4-FFF2-40B4-BE49-F238E27FC236}">
+                <a16:creationId xmlns:a16="http://schemas.microsoft.com/office/drawing/2014/main" id="{EEA14D9F-F00B-BC59-AE0F-BA4DB1C240A4}"/>
+              </a:ext>
+            </a:extLst>
+          </p:cNvPr>
+          <p:cNvSpPr>
+            <a:spLocks noGrp="1"/>
+          </p:cNvSpPr>
+          <p:nvPr>
+            <p:ph idx="1"/>
+          </p:nvPr>
+        </p:nvSpPr>
+        <p:spPr/>
+        <p:txBody>
+          <a:bodyPr/>
+          <a:lstStyle/>
+          <a:p>
+            <a:r>
+              <a:rPr lang="en-US" dirty="0"/>
+              <a:t>Git is the most widely used type of source code management (SCM) software. </a:t>
+            </a:r>
+          </a:p>
+          <a:p>
+            <a:r>
+              <a:rPr lang="en-US" dirty="0"/>
+              <a:t>Git is often used to manage software versions, facilitate collaboration, and track changes to code over time. </a:t>
+            </a:r>
+          </a:p>
+          <a:p>
+            <a:endParaRPr lang="en-US" dirty="0"/>
+          </a:p>
+        </p:txBody>
+      </p:sp>
+      <p:sp>
+        <p:nvSpPr>
+          <p:cNvPr id="4" name="Rectangle 3">
+            <a:extLst>
+              <a:ext uri="{FF2B5EF4-FFF2-40B4-BE49-F238E27FC236}">
+                <a16:creationId xmlns:a16="http://schemas.microsoft.com/office/drawing/2014/main" id="{9D493C1B-3F31-651E-A717-6ACAEC75FF37}"/>
+              </a:ext>
+            </a:extLst>
+          </p:cNvPr>
+          <p:cNvSpPr/>
+          <p:nvPr/>
+        </p:nvSpPr>
+        <p:spPr>
+          <a:xfrm>
+            <a:off x="0" y="6286500"/>
+            <a:ext cx="12192000" cy="571500"/>
+          </a:xfrm>
+          <a:prstGeom prst="rect">
+            <a:avLst/>
+          </a:prstGeom>
+          <a:solidFill>
+            <a:srgbClr val="122F51"/>
+          </a:solidFill>
+        </p:spPr>
+        <p:style>
+          <a:lnRef idx="2">
+            <a:schemeClr val="accent1">
+              <a:shade val="50000"/>
+            </a:schemeClr>
+          </a:lnRef>
+          <a:fillRef idx="1">
+            <a:schemeClr val="accent1"/>
+          </a:fillRef>
+          <a:effectRef idx="0">
+            <a:schemeClr val="accent1"/>
+          </a:effectRef>
+          <a:fontRef idx="minor">
+            <a:schemeClr val="lt1"/>
+          </a:fontRef>
+        </p:style>
+        <p:txBody>
+          <a:bodyPr rtlCol="0" anchor="ctr"/>
+          <a:lstStyle/>
+          <a:p>
+            <a:pPr algn="ctr"/>
+            <a:endParaRPr lang="en-US"/>
+          </a:p>
+        </p:txBody>
+      </p:sp>
+      <p:sp>
+        <p:nvSpPr>
+          <p:cNvPr id="5" name="Rectangle 4">
+            <a:extLst>
+              <a:ext uri="{FF2B5EF4-FFF2-40B4-BE49-F238E27FC236}">
+                <a16:creationId xmlns:a16="http://schemas.microsoft.com/office/drawing/2014/main" id="{DA98B62C-C7FE-B9FA-EB3C-9361EE8A7629}"/>
+              </a:ext>
+            </a:extLst>
+          </p:cNvPr>
+          <p:cNvSpPr/>
+          <p:nvPr/>
+        </p:nvSpPr>
+        <p:spPr>
+          <a:xfrm>
+            <a:off x="0" y="6041571"/>
+            <a:ext cx="12192000" cy="244929"/>
+          </a:xfrm>
+          <a:prstGeom prst="rect">
+            <a:avLst/>
+          </a:prstGeom>
+          <a:solidFill>
+            <a:srgbClr val="FDB736"/>
+          </a:solidFill>
+        </p:spPr>
+        <p:style>
+          <a:lnRef idx="2">
+            <a:schemeClr val="accent1">
+              <a:shade val="50000"/>
+            </a:schemeClr>
+          </a:lnRef>
+          <a:fillRef idx="1">
+            <a:schemeClr val="accent1"/>
+          </a:fillRef>
+          <a:effectRef idx="0">
+            <a:schemeClr val="accent1"/>
+          </a:effectRef>
+          <a:fontRef idx="minor">
+            <a:schemeClr val="lt1"/>
+          </a:fontRef>
+        </p:style>
+        <p:txBody>
+          <a:bodyPr rtlCol="0" anchor="ctr"/>
+          <a:lstStyle/>
+          <a:p>
+            <a:pPr algn="ctr"/>
+            <a:endParaRPr lang="en-US"/>
+          </a:p>
+        </p:txBody>
+      </p:sp>
+    </p:spTree>
+    <p:extLst>
+      <p:ext uri="{BB962C8B-B14F-4D97-AF65-F5344CB8AC3E}">
         <p14:creationId xmlns:p14="http://schemas.microsoft.com/office/powerpoint/2010/main" val="3474348110"/>
       </p:ext>
     </p:extLst>
@@ -3690,7 +4529,7 @@
 </p:sld>
 </file>
 
-<file path=ppt/slides/slide3.xml><?xml version="1.0" encoding="utf-8"?>
+<file path=ppt/slides/slide6.xml><?xml version="1.0" encoding="utf-8"?>
 <p:sld xmlns:a="http://schemas.openxmlformats.org/drawingml/2006/main" xmlns:r="http://schemas.openxmlformats.org/officeDocument/2006/relationships" xmlns:p="http://schemas.openxmlformats.org/presentationml/2006/main">
   <p:cSld>
     <p:spTree>
